--- a/Prometheus TechTalk.pptx
+++ b/Prometheus TechTalk.pptx
@@ -229,7 +229,7 @@
           <a:p>
             <a:fld id="{AE254592-DAFD-408A-9F13-7AC8B1E4B1D5}" type="datetimeFigureOut">
               <a:rPr lang="en-US" smtClean="0"/>
-              <a:t>8/3/2021</a:t>
+              <a:t>8/6/2021</a:t>
             </a:fld>
             <a:endParaRPr lang="en-US"/>
           </a:p>
@@ -2601,10 +2601,7 @@
           <a:bodyPr/>
           <a:lstStyle/>
           <a:p>
-            <a:r>
-              <a:rPr lang="en-US" dirty="0"/>
-              <a:t>This is not ratified yet, but it is being considered by the Observability Working Group</a:t>
-            </a:r>
+            <a:endParaRPr lang="en-US" dirty="0"/>
           </a:p>
         </p:txBody>
       </p:sp>
@@ -4154,7 +4151,7 @@
           <a:p>
             <a:fld id="{6D03D874-F9F0-47FE-9F7E-47BA1941BCB5}" type="datetimeFigureOut">
               <a:rPr lang="en-US" smtClean="0"/>
-              <a:t>8/3/2021</a:t>
+              <a:t>8/6/2021</a:t>
             </a:fld>
             <a:endParaRPr lang="en-US"/>
           </a:p>
@@ -4478,7 +4475,7 @@
           <a:p>
             <a:fld id="{6D03D874-F9F0-47FE-9F7E-47BA1941BCB5}" type="datetimeFigureOut">
               <a:rPr lang="en-US" smtClean="0"/>
-              <a:t>8/3/2021</a:t>
+              <a:t>8/6/2021</a:t>
             </a:fld>
             <a:endParaRPr lang="en-US"/>
           </a:p>
@@ -4726,7 +4723,7 @@
           <a:p>
             <a:fld id="{6D03D874-F9F0-47FE-9F7E-47BA1941BCB5}" type="datetimeFigureOut">
               <a:rPr lang="en-US" smtClean="0"/>
-              <a:t>8/3/2021</a:t>
+              <a:t>8/6/2021</a:t>
             </a:fld>
             <a:endParaRPr lang="en-US"/>
           </a:p>
@@ -5065,7 +5062,7 @@
           <a:p>
             <a:fld id="{6D03D874-F9F0-47FE-9F7E-47BA1941BCB5}" type="datetimeFigureOut">
               <a:rPr lang="en-US" smtClean="0"/>
-              <a:t>8/3/2021</a:t>
+              <a:t>8/6/2021</a:t>
             </a:fld>
             <a:endParaRPr lang="en-US"/>
           </a:p>
@@ -5412,7 +5409,7 @@
           <a:p>
             <a:fld id="{6D03D874-F9F0-47FE-9F7E-47BA1941BCB5}" type="datetimeFigureOut">
               <a:rPr lang="en-US" smtClean="0"/>
-              <a:t>8/3/2021</a:t>
+              <a:t>8/6/2021</a:t>
             </a:fld>
             <a:endParaRPr lang="en-US"/>
           </a:p>
@@ -5786,7 +5783,7 @@
           <a:p>
             <a:fld id="{6D03D874-F9F0-47FE-9F7E-47BA1941BCB5}" type="datetimeFigureOut">
               <a:rPr lang="en-US" smtClean="0"/>
-              <a:t>8/3/2021</a:t>
+              <a:t>8/6/2021</a:t>
             </a:fld>
             <a:endParaRPr lang="en-US"/>
           </a:p>
@@ -6256,7 +6253,7 @@
           <a:p>
             <a:fld id="{6D03D874-F9F0-47FE-9F7E-47BA1941BCB5}" type="datetimeFigureOut">
               <a:rPr lang="en-US" smtClean="0"/>
-              <a:t>8/3/2021</a:t>
+              <a:t>8/6/2021</a:t>
             </a:fld>
             <a:endParaRPr lang="en-US"/>
           </a:p>
@@ -6461,7 +6458,7 @@
           <a:p>
             <a:fld id="{6D03D874-F9F0-47FE-9F7E-47BA1941BCB5}" type="datetimeFigureOut">
               <a:rPr lang="en-US" smtClean="0"/>
-              <a:t>8/3/2021</a:t>
+              <a:t>8/6/2021</a:t>
             </a:fld>
             <a:endParaRPr lang="en-US"/>
           </a:p>
@@ -6672,7 +6669,7 @@
           <a:p>
             <a:fld id="{6D03D874-F9F0-47FE-9F7E-47BA1941BCB5}" type="datetimeFigureOut">
               <a:rPr lang="en-US" smtClean="0"/>
-              <a:t>8/3/2021</a:t>
+              <a:t>8/6/2021</a:t>
             </a:fld>
             <a:endParaRPr lang="en-US"/>
           </a:p>
@@ -6931,7 +6928,7 @@
           <a:p>
             <a:fld id="{6D03D874-F9F0-47FE-9F7E-47BA1941BCB5}" type="datetimeFigureOut">
               <a:rPr lang="en-US" smtClean="0"/>
-              <a:t>8/3/2021</a:t>
+              <a:t>8/6/2021</a:t>
             </a:fld>
             <a:endParaRPr lang="en-US"/>
           </a:p>
@@ -7179,7 +7176,7 @@
           <a:p>
             <a:fld id="{6D03D874-F9F0-47FE-9F7E-47BA1941BCB5}" type="datetimeFigureOut">
               <a:rPr lang="en-US" smtClean="0"/>
-              <a:t>8/3/2021</a:t>
+              <a:t>8/6/2021</a:t>
             </a:fld>
             <a:endParaRPr lang="en-US"/>
           </a:p>
@@ -7482,7 +7479,7 @@
           <a:p>
             <a:fld id="{6D03D874-F9F0-47FE-9F7E-47BA1941BCB5}" type="datetimeFigureOut">
               <a:rPr lang="en-US" smtClean="0"/>
-              <a:t>8/3/2021</a:t>
+              <a:t>8/6/2021</a:t>
             </a:fld>
             <a:endParaRPr lang="en-US"/>
           </a:p>
@@ -7876,7 +7873,7 @@
           <a:p>
             <a:fld id="{6D03D874-F9F0-47FE-9F7E-47BA1941BCB5}" type="datetimeFigureOut">
               <a:rPr lang="en-US" smtClean="0"/>
-              <a:t>8/3/2021</a:t>
+              <a:t>8/6/2021</a:t>
             </a:fld>
             <a:endParaRPr lang="en-US"/>
           </a:p>
@@ -8025,7 +8022,7 @@
           <a:p>
             <a:fld id="{6D03D874-F9F0-47FE-9F7E-47BA1941BCB5}" type="datetimeFigureOut">
               <a:rPr lang="en-US" smtClean="0"/>
-              <a:t>8/3/2021</a:t>
+              <a:t>8/6/2021</a:t>
             </a:fld>
             <a:endParaRPr lang="en-US"/>
           </a:p>
@@ -8151,7 +8148,7 @@
           <a:p>
             <a:fld id="{6D03D874-F9F0-47FE-9F7E-47BA1941BCB5}" type="datetimeFigureOut">
               <a:rPr lang="en-US" smtClean="0"/>
-              <a:t>8/3/2021</a:t>
+              <a:t>8/6/2021</a:t>
             </a:fld>
             <a:endParaRPr lang="en-US"/>
           </a:p>
@@ -8406,7 +8403,7 @@
           <a:p>
             <a:fld id="{6D03D874-F9F0-47FE-9F7E-47BA1941BCB5}" type="datetimeFigureOut">
               <a:rPr lang="en-US" smtClean="0"/>
-              <a:t>8/3/2021</a:t>
+              <a:t>8/6/2021</a:t>
             </a:fld>
             <a:endParaRPr lang="en-US"/>
           </a:p>
@@ -8721,7 +8718,7 @@
           <a:p>
             <a:fld id="{6D03D874-F9F0-47FE-9F7E-47BA1941BCB5}" type="datetimeFigureOut">
               <a:rPr lang="en-US" smtClean="0"/>
-              <a:t>8/3/2021</a:t>
+              <a:t>8/6/2021</a:t>
             </a:fld>
             <a:endParaRPr lang="en-US"/>
           </a:p>
@@ -9072,7 +9069,7 @@
           <a:p>
             <a:fld id="{6D03D874-F9F0-47FE-9F7E-47BA1941BCB5}" type="datetimeFigureOut">
               <a:rPr lang="en-US" smtClean="0"/>
-              <a:t>8/3/2021</a:t>
+              <a:t>8/6/2021</a:t>
             </a:fld>
             <a:endParaRPr lang="en-US"/>
           </a:p>
